--- a/Papers.pptx
+++ b/Papers.pptx
@@ -6,19 +6,21 @@
   </p:sldMasterIdLst>
   <p:sldIdLst>
     <p:sldId id="256" r:id="rId2"/>
-    <p:sldId id="266" r:id="rId3"/>
-    <p:sldId id="267" r:id="rId4"/>
-    <p:sldId id="257" r:id="rId5"/>
-    <p:sldId id="268" r:id="rId6"/>
-    <p:sldId id="269" r:id="rId7"/>
-    <p:sldId id="258" r:id="rId8"/>
-    <p:sldId id="259" r:id="rId9"/>
-    <p:sldId id="260" r:id="rId10"/>
-    <p:sldId id="261" r:id="rId11"/>
-    <p:sldId id="262" r:id="rId12"/>
-    <p:sldId id="263" r:id="rId13"/>
-    <p:sldId id="264" r:id="rId14"/>
-    <p:sldId id="265" r:id="rId15"/>
+    <p:sldId id="270" r:id="rId3"/>
+    <p:sldId id="266" r:id="rId4"/>
+    <p:sldId id="267" r:id="rId5"/>
+    <p:sldId id="271" r:id="rId6"/>
+    <p:sldId id="257" r:id="rId7"/>
+    <p:sldId id="268" r:id="rId8"/>
+    <p:sldId id="269" r:id="rId9"/>
+    <p:sldId id="258" r:id="rId10"/>
+    <p:sldId id="259" r:id="rId11"/>
+    <p:sldId id="260" r:id="rId12"/>
+    <p:sldId id="261" r:id="rId13"/>
+    <p:sldId id="262" r:id="rId14"/>
+    <p:sldId id="263" r:id="rId15"/>
+    <p:sldId id="264" r:id="rId16"/>
+    <p:sldId id="265" r:id="rId17"/>
   </p:sldIdLst>
   <p:sldSz cx="12192000" cy="6858000"/>
   <p:notesSz cx="6858000" cy="9144000"/>
@@ -3422,7 +3424,7 @@
           <p:cNvPr id="2" name="Title 1">
             <a:extLst>
               <a:ext uri="{FF2B5EF4-FFF2-40B4-BE49-F238E27FC236}">
-                <a16:creationId xmlns:a16="http://schemas.microsoft.com/office/drawing/2014/main" id="{6844A4C0-FB4B-A95A-64E4-D139E77EC374}"/>
+                <a16:creationId xmlns:a16="http://schemas.microsoft.com/office/drawing/2014/main" id="{ADA4DB07-3472-5585-F5FB-73E5B23BC685}"/>
               </a:ext>
             </a:extLst>
           </p:cNvPr>
@@ -3440,7 +3442,7 @@
           <a:p>
             <a:r>
               <a:rPr lang="en-US" dirty="0"/>
-              <a:t>Introduction</a:t>
+              <a:t>Authors + Affiliations</a:t>
             </a:r>
           </a:p>
         </p:txBody>
@@ -3450,7 +3452,7 @@
           <p:cNvPr id="3" name="Content Placeholder 2">
             <a:extLst>
               <a:ext uri="{FF2B5EF4-FFF2-40B4-BE49-F238E27FC236}">
-                <a16:creationId xmlns:a16="http://schemas.microsoft.com/office/drawing/2014/main" id="{4CF702D8-CBFE-A4B6-8277-63CD20161577}"/>
+                <a16:creationId xmlns:a16="http://schemas.microsoft.com/office/drawing/2014/main" id="{87A8D749-98BF-F74B-9FE3-BD3C68F525BF}"/>
               </a:ext>
             </a:extLst>
           </p:cNvPr>
@@ -3468,78 +3470,93 @@
           <a:p>
             <a:r>
               <a:rPr lang="en-US" dirty="0"/>
-              <a:t>Importance</a:t>
-            </a:r>
-          </a:p>
-          <a:p>
-            <a:pPr lvl="1"/>
-            <a:r>
-              <a:rPr lang="en-US" dirty="0"/>
-              <a:t>Why do we care?</a:t>
-            </a:r>
-          </a:p>
-          <a:p>
-            <a:r>
-              <a:rPr lang="en-US" dirty="0"/>
-              <a:t>Previous findings </a:t>
-            </a:r>
-          </a:p>
-          <a:p>
-            <a:pPr lvl="1"/>
-            <a:r>
-              <a:rPr lang="en-US" dirty="0"/>
-              <a:t>What has been found already?</a:t>
-            </a:r>
-          </a:p>
-          <a:p>
-            <a:pPr lvl="1"/>
-            <a:r>
-              <a:rPr lang="en-US" dirty="0"/>
-              <a:t>What questions remain?</a:t>
-            </a:r>
-          </a:p>
-          <a:p>
-            <a:r>
-              <a:rPr lang="en-US" dirty="0"/>
-              <a:t>Brief description of the study</a:t>
-            </a:r>
-          </a:p>
-          <a:p>
-            <a:pPr lvl="1"/>
-            <a:r>
-              <a:rPr lang="en-US" dirty="0"/>
-              <a:t>What was the question?</a:t>
-            </a:r>
-          </a:p>
-          <a:p>
-            <a:r>
-              <a:rPr lang="en-US" dirty="0"/>
-              <a:t>Sometimes a teaser of the findings</a:t>
-            </a:r>
-          </a:p>
-          <a:p>
-            <a:pPr lvl="1"/>
-            <a:r>
-              <a:rPr lang="en-US" dirty="0"/>
-              <a:t>What did we find?</a:t>
-            </a:r>
-          </a:p>
-          <a:p>
-            <a:pPr lvl="2"/>
-            <a:r>
-              <a:rPr lang="en-US" dirty="0"/>
-              <a:t>Helps preview a structure and tells you what to look out for. </a:t>
-            </a:r>
-          </a:p>
-          <a:p>
-            <a:endParaRPr lang="en-US" dirty="0"/>
-          </a:p>
-        </p:txBody>
-      </p:sp>
+              <a:t>Who did it? Where?</a:t>
+            </a:r>
+          </a:p>
+          <a:p>
+            <a:r>
+              <a:rPr lang="en-US" dirty="0"/>
+              <a:t>First author: often did most of the work and is most “credited;” it’s their name + others. </a:t>
+            </a:r>
+          </a:p>
+          <a:p>
+            <a:r>
+              <a:rPr lang="en-US" dirty="0"/>
+              <a:t>Last author: often lab leader supervising the first author. </a:t>
+            </a:r>
+          </a:p>
+          <a:p>
+            <a:r>
+              <a:rPr lang="en-US" dirty="0"/>
+              <a:t>Middle: made various contributions; some journals require listing these out. </a:t>
+            </a:r>
+          </a:p>
+        </p:txBody>
+      </p:sp>
+      <p:pic>
+        <p:nvPicPr>
+          <p:cNvPr id="4" name="Picture 3">
+            <a:extLst>
+              <a:ext uri="{FF2B5EF4-FFF2-40B4-BE49-F238E27FC236}">
+                <a16:creationId xmlns:a16="http://schemas.microsoft.com/office/drawing/2014/main" id="{955A4FD3-9D76-6104-6CFC-DC89608025AD}"/>
+              </a:ext>
+            </a:extLst>
+          </p:cNvPr>
+          <p:cNvPicPr>
+            <a:picLocks noChangeAspect="1"/>
+          </p:cNvPicPr>
+          <p:nvPr/>
+        </p:nvPicPr>
+        <p:blipFill>
+          <a:blip r:embed="rId2"/>
+          <a:stretch>
+            <a:fillRect/>
+          </a:stretch>
+        </p:blipFill>
+        <p:spPr>
+          <a:xfrm>
+            <a:off x="6794776" y="4343400"/>
+            <a:ext cx="5016500" cy="2514600"/>
+          </a:xfrm>
+          <a:prstGeom prst="rect">
+            <a:avLst/>
+          </a:prstGeom>
+        </p:spPr>
+      </p:pic>
+      <p:pic>
+        <p:nvPicPr>
+          <p:cNvPr id="5" name="Picture 4">
+            <a:extLst>
+              <a:ext uri="{FF2B5EF4-FFF2-40B4-BE49-F238E27FC236}">
+                <a16:creationId xmlns:a16="http://schemas.microsoft.com/office/drawing/2014/main" id="{E2D2ACF6-2944-D54E-6B48-EF6129AB31FE}"/>
+              </a:ext>
+            </a:extLst>
+          </p:cNvPr>
+          <p:cNvPicPr>
+            <a:picLocks noChangeAspect="1"/>
+          </p:cNvPicPr>
+          <p:nvPr/>
+        </p:nvPicPr>
+        <p:blipFill>
+          <a:blip r:embed="rId3"/>
+          <a:stretch>
+            <a:fillRect/>
+          </a:stretch>
+        </p:blipFill>
+        <p:spPr>
+          <a:xfrm>
+            <a:off x="0" y="5081082"/>
+            <a:ext cx="6662392" cy="1039236"/>
+          </a:xfrm>
+          <a:prstGeom prst="rect">
+            <a:avLst/>
+          </a:prstGeom>
+        </p:spPr>
+      </p:pic>
     </p:spTree>
     <p:extLst>
       <p:ext uri="{BB962C8B-B14F-4D97-AF65-F5344CB8AC3E}">
-        <p14:creationId xmlns:p14="http://schemas.microsoft.com/office/powerpoint/2010/main" val="323874809"/>
+        <p14:creationId xmlns:p14="http://schemas.microsoft.com/office/powerpoint/2010/main" val="852594176"/>
       </p:ext>
     </p:extLst>
   </p:cSld>
@@ -3571,7 +3588,7 @@
           <p:cNvPr id="2" name="Title 1">
             <a:extLst>
               <a:ext uri="{FF2B5EF4-FFF2-40B4-BE49-F238E27FC236}">
-                <a16:creationId xmlns:a16="http://schemas.microsoft.com/office/drawing/2014/main" id="{E3BD05D2-8800-6D95-4ADB-F44B6761F035}"/>
+                <a16:creationId xmlns:a16="http://schemas.microsoft.com/office/drawing/2014/main" id="{6DB56DDF-D5FF-3538-23F2-D168DA6AEDD9}"/>
               </a:ext>
             </a:extLst>
           </p:cNvPr>
@@ -3589,7 +3606,7 @@
           <a:p>
             <a:r>
               <a:rPr lang="en-US" dirty="0"/>
-              <a:t>Results</a:t>
+              <a:t>Abstract/Summary</a:t>
             </a:r>
           </a:p>
         </p:txBody>
@@ -3599,7 +3616,7 @@
           <p:cNvPr id="3" name="Content Placeholder 2">
             <a:extLst>
               <a:ext uri="{FF2B5EF4-FFF2-40B4-BE49-F238E27FC236}">
-                <a16:creationId xmlns:a16="http://schemas.microsoft.com/office/drawing/2014/main" id="{43D844B1-89B6-7D40-6BE7-249015077FDF}"/>
+                <a16:creationId xmlns:a16="http://schemas.microsoft.com/office/drawing/2014/main" id="{8FADA059-E0CD-98D7-C33A-D8312B2B849B}"/>
               </a:ext>
             </a:extLst>
           </p:cNvPr>
@@ -3610,82 +3627,208 @@
             <p:ph idx="1"/>
           </p:nvPr>
         </p:nvSpPr>
-        <p:spPr/>
-        <p:txBody>
-          <a:bodyPr/>
-          <a:lstStyle/>
-          <a:p>
-            <a:r>
-              <a:rPr lang="en-US" dirty="0"/>
-              <a:t>All the stuff that was done</a:t>
+        <p:spPr>
+          <a:xfrm>
+            <a:off x="838200" y="1825625"/>
+            <a:ext cx="5387939" cy="4351338"/>
+          </a:xfrm>
+        </p:spPr>
+        <p:txBody>
+          <a:bodyPr/>
+          <a:lstStyle/>
+          <a:p>
+            <a:r>
+              <a:rPr lang="en-US" dirty="0"/>
+              <a:t>A succinct summary of the entire paper: </a:t>
             </a:r>
           </a:p>
           <a:p>
             <a:pPr lvl="1"/>
             <a:r>
-              <a:rPr lang="en-US" dirty="0"/>
-              <a:t>Question</a:t>
-            </a:r>
+              <a:rPr lang="en-US" dirty="0">
+                <a:highlight>
+                  <a:srgbClr val="FFFF00"/>
+                </a:highlight>
+              </a:rPr>
+              <a:t>Background</a:t>
+            </a:r>
+            <a:endParaRPr lang="en-US" dirty="0">
+              <a:highlight>
+                <a:srgbClr val="FF0000"/>
+              </a:highlight>
+            </a:endParaRPr>
           </a:p>
           <a:p>
             <a:pPr lvl="1"/>
             <a:r>
-              <a:rPr lang="en-US" dirty="0"/>
-              <a:t>Hypothesis</a:t>
-            </a:r>
-          </a:p>
-          <a:p>
-            <a:pPr lvl="1"/>
-            <a:r>
-              <a:rPr lang="en-US" dirty="0"/>
-              <a:t>Approach</a:t>
-            </a:r>
-          </a:p>
-          <a:p>
-            <a:pPr lvl="1"/>
-            <a:r>
-              <a:rPr lang="en-US" dirty="0"/>
+              <a:rPr lang="en-US" dirty="0">
+                <a:highlight>
+                  <a:srgbClr val="00FFFF"/>
+                </a:highlight>
+              </a:rPr>
               <a:t>Findings</a:t>
             </a:r>
-          </a:p>
-          <a:p>
-            <a:pPr lvl="1"/>
-            <a:r>
-              <a:rPr lang="en-US" dirty="0"/>
-              <a:t>Figures</a:t>
-            </a:r>
-          </a:p>
-          <a:p>
-            <a:pPr lvl="1"/>
-            <a:r>
-              <a:rPr lang="en-US" dirty="0"/>
-              <a:t>Statistics</a:t>
-            </a:r>
-          </a:p>
-          <a:p>
-            <a:pPr lvl="1"/>
-            <a:r>
-              <a:rPr lang="en-US" dirty="0"/>
-              <a:t>Logical flow from one to the next</a:t>
-            </a:r>
-          </a:p>
-          <a:p>
-            <a:pPr lvl="2"/>
-            <a:r>
-              <a:rPr lang="en-US" dirty="0"/>
-              <a:t>”. . . Thus, we found XYZ. However, that could be due to &lt;such and such&gt;, or &lt;something or another&gt;. If it was &lt;such and such&gt;, we would expect &lt;this&gt;, and to test that we &lt;the next experiment&gt;.”</a:t>
-            </a:r>
-          </a:p>
-          <a:p>
-            <a:pPr lvl="1"/>
+            <a:r>
+              <a:rPr lang="en-US" dirty="0"/>
+              <a:t> </a:t>
+            </a:r>
+          </a:p>
+          <a:p>
             <a:endParaRPr lang="en-US" dirty="0"/>
+          </a:p>
+          <a:p>
+            <a:r>
+              <a:rPr lang="en-US" dirty="0"/>
+              <a:t>Usually written last, but is the first (and often only) thing someone sees. </a:t>
+            </a:r>
+          </a:p>
+          <a:p>
+            <a:endParaRPr lang="en-US" dirty="0"/>
+          </a:p>
+        </p:txBody>
+      </p:sp>
+      <p:pic>
+        <p:nvPicPr>
+          <p:cNvPr id="4" name="Picture 3">
+            <a:extLst>
+              <a:ext uri="{FF2B5EF4-FFF2-40B4-BE49-F238E27FC236}">
+                <a16:creationId xmlns:a16="http://schemas.microsoft.com/office/drawing/2014/main" id="{DCF380DF-ED2F-B347-C332-70BED02E33BC}"/>
+              </a:ext>
+            </a:extLst>
+          </p:cNvPr>
+          <p:cNvPicPr>
+            <a:picLocks noChangeAspect="1"/>
+          </p:cNvPicPr>
+          <p:nvPr/>
+        </p:nvPicPr>
+        <p:blipFill>
+          <a:blip r:embed="rId2"/>
+          <a:stretch>
+            <a:fillRect/>
+          </a:stretch>
+        </p:blipFill>
+        <p:spPr>
+          <a:xfrm>
+            <a:off x="7006810" y="513522"/>
+            <a:ext cx="5016500" cy="6096000"/>
+          </a:xfrm>
+          <a:prstGeom prst="rect">
+            <a:avLst/>
+          </a:prstGeom>
+        </p:spPr>
+      </p:pic>
+      <p:sp>
+        <p:nvSpPr>
+          <p:cNvPr id="5" name="Rectangle 4">
+            <a:extLst>
+              <a:ext uri="{FF2B5EF4-FFF2-40B4-BE49-F238E27FC236}">
+                <a16:creationId xmlns:a16="http://schemas.microsoft.com/office/drawing/2014/main" id="{A34776C3-CFC0-227E-EE5B-B443D0330E13}"/>
+              </a:ext>
+            </a:extLst>
+          </p:cNvPr>
+          <p:cNvSpPr/>
+          <p:nvPr/>
+        </p:nvSpPr>
+        <p:spPr>
+          <a:xfrm>
+            <a:off x="7063409" y="1027906"/>
+            <a:ext cx="4903304" cy="2536929"/>
+          </a:xfrm>
+          <a:prstGeom prst="rect">
+            <a:avLst/>
+          </a:prstGeom>
+          <a:solidFill>
+            <a:srgbClr val="FFFF00">
+              <a:alpha val="34902"/>
+            </a:srgbClr>
+          </a:solidFill>
+          <a:ln>
+            <a:noFill/>
+          </a:ln>
+        </p:spPr>
+        <p:style>
+          <a:lnRef idx="2">
+            <a:schemeClr val="accent1">
+              <a:shade val="15000"/>
+            </a:schemeClr>
+          </a:lnRef>
+          <a:fillRef idx="1">
+            <a:schemeClr val="accent1"/>
+          </a:fillRef>
+          <a:effectRef idx="0">
+            <a:schemeClr val="accent1"/>
+          </a:effectRef>
+          <a:fontRef idx="minor">
+            <a:schemeClr val="lt1"/>
+          </a:fontRef>
+        </p:style>
+        <p:txBody>
+          <a:bodyPr rtlCol="0" anchor="ctr"/>
+          <a:lstStyle/>
+          <a:p>
+            <a:pPr algn="ctr"/>
+            <a:endParaRPr lang="en-US"/>
+          </a:p>
+        </p:txBody>
+      </p:sp>
+      <p:sp>
+        <p:nvSpPr>
+          <p:cNvPr id="6" name="Rectangle 5">
+            <a:extLst>
+              <a:ext uri="{FF2B5EF4-FFF2-40B4-BE49-F238E27FC236}">
+                <a16:creationId xmlns:a16="http://schemas.microsoft.com/office/drawing/2014/main" id="{0B52487E-EFD8-B1D1-96FC-736C8E27139A}"/>
+              </a:ext>
+            </a:extLst>
+          </p:cNvPr>
+          <p:cNvSpPr/>
+          <p:nvPr/>
+        </p:nvSpPr>
+        <p:spPr>
+          <a:xfrm>
+            <a:off x="7089184" y="3561522"/>
+            <a:ext cx="4903304" cy="3048000"/>
+          </a:xfrm>
+          <a:prstGeom prst="rect">
+            <a:avLst/>
+          </a:prstGeom>
+          <a:solidFill>
+            <a:srgbClr val="02FFFF">
+              <a:alpha val="34902"/>
+            </a:srgbClr>
+          </a:solidFill>
+          <a:ln>
+            <a:noFill/>
+          </a:ln>
+        </p:spPr>
+        <p:style>
+          <a:lnRef idx="2">
+            <a:schemeClr val="accent1">
+              <a:shade val="15000"/>
+            </a:schemeClr>
+          </a:lnRef>
+          <a:fillRef idx="1">
+            <a:schemeClr val="accent1"/>
+          </a:fillRef>
+          <a:effectRef idx="0">
+            <a:schemeClr val="accent1"/>
+          </a:effectRef>
+          <a:fontRef idx="minor">
+            <a:schemeClr val="lt1"/>
+          </a:fontRef>
+        </p:style>
+        <p:txBody>
+          <a:bodyPr rtlCol="0" anchor="ctr"/>
+          <a:lstStyle/>
+          <a:p>
+            <a:pPr algn="ctr"/>
+            <a:endParaRPr lang="en-US"/>
           </a:p>
         </p:txBody>
       </p:sp>
     </p:spTree>
     <p:extLst>
       <p:ext uri="{BB962C8B-B14F-4D97-AF65-F5344CB8AC3E}">
-        <p14:creationId xmlns:p14="http://schemas.microsoft.com/office/powerpoint/2010/main" val="209682238"/>
+        <p14:creationId xmlns:p14="http://schemas.microsoft.com/office/powerpoint/2010/main" val="770768356"/>
       </p:ext>
     </p:extLst>
   </p:cSld>
@@ -3717,7 +3860,7 @@
           <p:cNvPr id="2" name="Title 1">
             <a:extLst>
               <a:ext uri="{FF2B5EF4-FFF2-40B4-BE49-F238E27FC236}">
-                <a16:creationId xmlns:a16="http://schemas.microsoft.com/office/drawing/2014/main" id="{5CDA6DD8-60FF-B5B5-4B8C-C1DC8B822588}"/>
+                <a16:creationId xmlns:a16="http://schemas.microsoft.com/office/drawing/2014/main" id="{6844A4C0-FB4B-A95A-64E4-D139E77EC374}"/>
               </a:ext>
             </a:extLst>
           </p:cNvPr>
@@ -3735,7 +3878,7 @@
           <a:p>
             <a:r>
               <a:rPr lang="en-US" dirty="0"/>
-              <a:t>Discussion</a:t>
+              <a:t>Introduction</a:t>
             </a:r>
           </a:p>
         </p:txBody>
@@ -3745,7 +3888,7 @@
           <p:cNvPr id="3" name="Content Placeholder 2">
             <a:extLst>
               <a:ext uri="{FF2B5EF4-FFF2-40B4-BE49-F238E27FC236}">
-                <a16:creationId xmlns:a16="http://schemas.microsoft.com/office/drawing/2014/main" id="{D0DAAF35-85E2-AD43-B299-D0C9B8F936AC}"/>
+                <a16:creationId xmlns:a16="http://schemas.microsoft.com/office/drawing/2014/main" id="{4CF702D8-CBFE-A4B6-8277-63CD20161577}"/>
               </a:ext>
             </a:extLst>
           </p:cNvPr>
@@ -3763,52 +3906,70 @@
           <a:p>
             <a:r>
               <a:rPr lang="en-US" dirty="0"/>
-              <a:t>In results, you avoid too much interpretation; that is for this section</a:t>
-            </a:r>
-          </a:p>
-          <a:p>
-            <a:r>
-              <a:rPr lang="en-US" dirty="0"/>
-              <a:t>What do the results mean?</a:t>
+              <a:t>Importance</a:t>
             </a:r>
           </a:p>
           <a:p>
             <a:pPr lvl="1"/>
             <a:r>
               <a:rPr lang="en-US" dirty="0"/>
-              <a:t>Summarize the results more plainly with interpretations. </a:t>
+              <a:t>Why do we care?</a:t>
+            </a:r>
+          </a:p>
+          <a:p>
+            <a:r>
+              <a:rPr lang="en-US" dirty="0"/>
+              <a:t>Previous findings </a:t>
             </a:r>
           </a:p>
           <a:p>
             <a:pPr lvl="1"/>
             <a:r>
               <a:rPr lang="en-US" dirty="0"/>
-              <a:t>Re-summarize results in the context of previous knowledge. </a:t>
+              <a:t>What has been found already?</a:t>
             </a:r>
           </a:p>
           <a:p>
             <a:pPr lvl="1"/>
             <a:r>
               <a:rPr lang="en-US" dirty="0"/>
-              <a:t>Interpret them </a:t>
+              <a:t>What questions remain?</a:t>
+            </a:r>
+          </a:p>
+          <a:p>
+            <a:r>
+              <a:rPr lang="en-US" dirty="0"/>
+              <a:t>Brief description of the study</a:t>
             </a:r>
           </a:p>
           <a:p>
             <a:pPr lvl="1"/>
             <a:r>
               <a:rPr lang="en-US" dirty="0"/>
-              <a:t>State weaknesses/ambiguities</a:t>
+              <a:t>What was the question?</a:t>
+            </a:r>
+          </a:p>
+          <a:p>
+            <a:r>
+              <a:rPr lang="en-US" dirty="0"/>
+              <a:t>Sometimes a teaser of the findings</a:t>
             </a:r>
           </a:p>
           <a:p>
             <a:pPr lvl="1"/>
             <a:r>
               <a:rPr lang="en-US" dirty="0"/>
-              <a:t>Point towards future studies that could be done. </a:t>
-            </a:r>
-          </a:p>
-          <a:p>
-            <a:pPr lvl="1"/>
+              <a:t>What did we find?</a:t>
+            </a:r>
+          </a:p>
+          <a:p>
+            <a:pPr lvl="2"/>
+            <a:r>
+              <a:rPr lang="en-US" dirty="0"/>
+              <a:t>Helps preview a structure and tells you what to look out for. </a:t>
+            </a:r>
+          </a:p>
+          <a:p>
             <a:endParaRPr lang="en-US" dirty="0"/>
           </a:p>
         </p:txBody>
@@ -3816,7 +3977,7 @@
     </p:spTree>
     <p:extLst>
       <p:ext uri="{BB962C8B-B14F-4D97-AF65-F5344CB8AC3E}">
-        <p14:creationId xmlns:p14="http://schemas.microsoft.com/office/powerpoint/2010/main" val="1267734229"/>
+        <p14:creationId xmlns:p14="http://schemas.microsoft.com/office/powerpoint/2010/main" val="323874809"/>
       </p:ext>
     </p:extLst>
   </p:cSld>
@@ -3848,7 +4009,7 @@
           <p:cNvPr id="2" name="Title 1">
             <a:extLst>
               <a:ext uri="{FF2B5EF4-FFF2-40B4-BE49-F238E27FC236}">
-                <a16:creationId xmlns:a16="http://schemas.microsoft.com/office/drawing/2014/main" id="{2754C25F-6E24-5D67-0E5B-B621C2A6BBEA}"/>
+                <a16:creationId xmlns:a16="http://schemas.microsoft.com/office/drawing/2014/main" id="{E3BD05D2-8800-6D95-4ADB-F44B6761F035}"/>
               </a:ext>
             </a:extLst>
           </p:cNvPr>
@@ -3866,7 +4027,7 @@
           <a:p>
             <a:r>
               <a:rPr lang="en-US" dirty="0"/>
-              <a:t>Materials/Methods</a:t>
+              <a:t>Results</a:t>
             </a:r>
           </a:p>
         </p:txBody>
@@ -3876,7 +4037,7 @@
           <p:cNvPr id="3" name="Content Placeholder 2">
             <a:extLst>
               <a:ext uri="{FF2B5EF4-FFF2-40B4-BE49-F238E27FC236}">
-                <a16:creationId xmlns:a16="http://schemas.microsoft.com/office/drawing/2014/main" id="{9B7170C5-F0D0-E856-62B2-069075D3CCE7}"/>
+                <a16:creationId xmlns:a16="http://schemas.microsoft.com/office/drawing/2014/main" id="{43D844B1-89B6-7D40-6BE7-249015077FDF}"/>
               </a:ext>
             </a:extLst>
           </p:cNvPr>
@@ -3894,29 +4055,67 @@
           <a:p>
             <a:r>
               <a:rPr lang="en-US" dirty="0"/>
-              <a:t>Showing the work</a:t>
-            </a:r>
-          </a:p>
-          <a:p>
-            <a:r>
-              <a:rPr lang="en-US" dirty="0"/>
-              <a:t>Theoretically allows for replication of results by someone else</a:t>
+              <a:t>All the stuff that was done</a:t>
             </a:r>
           </a:p>
           <a:p>
             <a:pPr lvl="1"/>
             <a:r>
               <a:rPr lang="en-US" dirty="0"/>
-              <a:t>Anyone else can often skip these</a:t>
-            </a:r>
-          </a:p>
-          <a:p>
-            <a:r>
-              <a:rPr lang="en-US" dirty="0"/>
-              <a:t>Very dry, matter-of-fact, but essential.  </a:t>
-            </a:r>
-          </a:p>
-          <a:p>
+              <a:t>Question</a:t>
+            </a:r>
+          </a:p>
+          <a:p>
+            <a:pPr lvl="1"/>
+            <a:r>
+              <a:rPr lang="en-US" dirty="0"/>
+              <a:t>Hypothesis</a:t>
+            </a:r>
+          </a:p>
+          <a:p>
+            <a:pPr lvl="1"/>
+            <a:r>
+              <a:rPr lang="en-US" dirty="0"/>
+              <a:t>Approach</a:t>
+            </a:r>
+          </a:p>
+          <a:p>
+            <a:pPr lvl="1"/>
+            <a:r>
+              <a:rPr lang="en-US" dirty="0"/>
+              <a:t>Findings</a:t>
+            </a:r>
+          </a:p>
+          <a:p>
+            <a:pPr lvl="1"/>
+            <a:r>
+              <a:rPr lang="en-US" dirty="0"/>
+              <a:t>Figures</a:t>
+            </a:r>
+          </a:p>
+          <a:p>
+            <a:pPr lvl="1"/>
+            <a:r>
+              <a:rPr lang="en-US" dirty="0"/>
+              <a:t>Statistics</a:t>
+            </a:r>
+          </a:p>
+          <a:p>
+            <a:pPr lvl="1"/>
+            <a:r>
+              <a:rPr lang="en-US" dirty="0"/>
+              <a:t>Logical flow from one to the next</a:t>
+            </a:r>
+          </a:p>
+          <a:p>
+            <a:pPr lvl="2"/>
+            <a:r>
+              <a:rPr lang="en-US" dirty="0"/>
+              <a:t>”. . . Thus, we found XYZ. However, that could be due to &lt;such and such&gt;, or &lt;something or another&gt;. If it was &lt;such and such&gt;, we would expect &lt;this&gt;, and to test that we &lt;the next experiment&gt;.”</a:t>
+            </a:r>
+          </a:p>
+          <a:p>
+            <a:pPr lvl="1"/>
             <a:endParaRPr lang="en-US" dirty="0"/>
           </a:p>
         </p:txBody>
@@ -3924,7 +4123,7 @@
     </p:spTree>
     <p:extLst>
       <p:ext uri="{BB962C8B-B14F-4D97-AF65-F5344CB8AC3E}">
-        <p14:creationId xmlns:p14="http://schemas.microsoft.com/office/powerpoint/2010/main" val="4200907995"/>
+        <p14:creationId xmlns:p14="http://schemas.microsoft.com/office/powerpoint/2010/main" val="209682238"/>
       </p:ext>
     </p:extLst>
   </p:cSld>
@@ -3956,6 +4155,245 @@
           <p:cNvPr id="2" name="Title 1">
             <a:extLst>
               <a:ext uri="{FF2B5EF4-FFF2-40B4-BE49-F238E27FC236}">
+                <a16:creationId xmlns:a16="http://schemas.microsoft.com/office/drawing/2014/main" id="{5CDA6DD8-60FF-B5B5-4B8C-C1DC8B822588}"/>
+              </a:ext>
+            </a:extLst>
+          </p:cNvPr>
+          <p:cNvSpPr>
+            <a:spLocks noGrp="1"/>
+          </p:cNvSpPr>
+          <p:nvPr>
+            <p:ph type="title"/>
+          </p:nvPr>
+        </p:nvSpPr>
+        <p:spPr/>
+        <p:txBody>
+          <a:bodyPr/>
+          <a:lstStyle/>
+          <a:p>
+            <a:r>
+              <a:rPr lang="en-US" dirty="0"/>
+              <a:t>Discussion</a:t>
+            </a:r>
+          </a:p>
+        </p:txBody>
+      </p:sp>
+      <p:sp>
+        <p:nvSpPr>
+          <p:cNvPr id="3" name="Content Placeholder 2">
+            <a:extLst>
+              <a:ext uri="{FF2B5EF4-FFF2-40B4-BE49-F238E27FC236}">
+                <a16:creationId xmlns:a16="http://schemas.microsoft.com/office/drawing/2014/main" id="{D0DAAF35-85E2-AD43-B299-D0C9B8F936AC}"/>
+              </a:ext>
+            </a:extLst>
+          </p:cNvPr>
+          <p:cNvSpPr>
+            <a:spLocks noGrp="1"/>
+          </p:cNvSpPr>
+          <p:nvPr>
+            <p:ph idx="1"/>
+          </p:nvPr>
+        </p:nvSpPr>
+        <p:spPr/>
+        <p:txBody>
+          <a:bodyPr/>
+          <a:lstStyle/>
+          <a:p>
+            <a:r>
+              <a:rPr lang="en-US" dirty="0"/>
+              <a:t>In results, you avoid too much interpretation; that is for this section</a:t>
+            </a:r>
+          </a:p>
+          <a:p>
+            <a:r>
+              <a:rPr lang="en-US" dirty="0"/>
+              <a:t>What do the results mean?</a:t>
+            </a:r>
+          </a:p>
+          <a:p>
+            <a:pPr lvl="1"/>
+            <a:r>
+              <a:rPr lang="en-US" dirty="0"/>
+              <a:t>Summarize the results more plainly with interpretations. </a:t>
+            </a:r>
+          </a:p>
+          <a:p>
+            <a:pPr lvl="1"/>
+            <a:r>
+              <a:rPr lang="en-US" dirty="0"/>
+              <a:t>Re-summarize results in the context of previous knowledge. </a:t>
+            </a:r>
+          </a:p>
+          <a:p>
+            <a:pPr lvl="1"/>
+            <a:r>
+              <a:rPr lang="en-US" dirty="0"/>
+              <a:t>Interpret them </a:t>
+            </a:r>
+          </a:p>
+          <a:p>
+            <a:pPr lvl="1"/>
+            <a:r>
+              <a:rPr lang="en-US" dirty="0"/>
+              <a:t>State weaknesses/ambiguities</a:t>
+            </a:r>
+          </a:p>
+          <a:p>
+            <a:pPr lvl="1"/>
+            <a:r>
+              <a:rPr lang="en-US" dirty="0"/>
+              <a:t>Point towards future studies that could be done. </a:t>
+            </a:r>
+          </a:p>
+          <a:p>
+            <a:pPr lvl="1"/>
+            <a:endParaRPr lang="en-US" dirty="0"/>
+          </a:p>
+        </p:txBody>
+      </p:sp>
+    </p:spTree>
+    <p:extLst>
+      <p:ext uri="{BB962C8B-B14F-4D97-AF65-F5344CB8AC3E}">
+        <p14:creationId xmlns:p14="http://schemas.microsoft.com/office/powerpoint/2010/main" val="1267734229"/>
+      </p:ext>
+    </p:extLst>
+  </p:cSld>
+  <p:clrMapOvr>
+    <a:masterClrMapping/>
+  </p:clrMapOvr>
+</p:sld>
+</file>
+
+<file path=ppt/slides/slide15.xml><?xml version="1.0" encoding="utf-8"?>
+<p:sld xmlns:a="http://schemas.openxmlformats.org/drawingml/2006/main" xmlns:r="http://schemas.openxmlformats.org/officeDocument/2006/relationships" xmlns:p="http://schemas.openxmlformats.org/presentationml/2006/main">
+  <p:cSld>
+    <p:spTree>
+      <p:nvGrpSpPr>
+        <p:cNvPr id="1" name=""/>
+        <p:cNvGrpSpPr/>
+        <p:nvPr/>
+      </p:nvGrpSpPr>
+      <p:grpSpPr>
+        <a:xfrm>
+          <a:off x="0" y="0"/>
+          <a:ext cx="0" cy="0"/>
+          <a:chOff x="0" y="0"/>
+          <a:chExt cx="0" cy="0"/>
+        </a:xfrm>
+      </p:grpSpPr>
+      <p:sp>
+        <p:nvSpPr>
+          <p:cNvPr id="2" name="Title 1">
+            <a:extLst>
+              <a:ext uri="{FF2B5EF4-FFF2-40B4-BE49-F238E27FC236}">
+                <a16:creationId xmlns:a16="http://schemas.microsoft.com/office/drawing/2014/main" id="{2754C25F-6E24-5D67-0E5B-B621C2A6BBEA}"/>
+              </a:ext>
+            </a:extLst>
+          </p:cNvPr>
+          <p:cNvSpPr>
+            <a:spLocks noGrp="1"/>
+          </p:cNvSpPr>
+          <p:nvPr>
+            <p:ph type="title"/>
+          </p:nvPr>
+        </p:nvSpPr>
+        <p:spPr/>
+        <p:txBody>
+          <a:bodyPr/>
+          <a:lstStyle/>
+          <a:p>
+            <a:r>
+              <a:rPr lang="en-US" dirty="0"/>
+              <a:t>Materials/Methods</a:t>
+            </a:r>
+          </a:p>
+        </p:txBody>
+      </p:sp>
+      <p:sp>
+        <p:nvSpPr>
+          <p:cNvPr id="3" name="Content Placeholder 2">
+            <a:extLst>
+              <a:ext uri="{FF2B5EF4-FFF2-40B4-BE49-F238E27FC236}">
+                <a16:creationId xmlns:a16="http://schemas.microsoft.com/office/drawing/2014/main" id="{9B7170C5-F0D0-E856-62B2-069075D3CCE7}"/>
+              </a:ext>
+            </a:extLst>
+          </p:cNvPr>
+          <p:cNvSpPr>
+            <a:spLocks noGrp="1"/>
+          </p:cNvSpPr>
+          <p:nvPr>
+            <p:ph idx="1"/>
+          </p:nvPr>
+        </p:nvSpPr>
+        <p:spPr/>
+        <p:txBody>
+          <a:bodyPr/>
+          <a:lstStyle/>
+          <a:p>
+            <a:r>
+              <a:rPr lang="en-US" dirty="0"/>
+              <a:t>Showing the work</a:t>
+            </a:r>
+          </a:p>
+          <a:p>
+            <a:r>
+              <a:rPr lang="en-US" dirty="0"/>
+              <a:t>Theoretically allows for replication of results by someone else</a:t>
+            </a:r>
+          </a:p>
+          <a:p>
+            <a:pPr lvl="1"/>
+            <a:r>
+              <a:rPr lang="en-US" dirty="0"/>
+              <a:t>Anyone else can often skip these</a:t>
+            </a:r>
+          </a:p>
+          <a:p>
+            <a:r>
+              <a:rPr lang="en-US" dirty="0"/>
+              <a:t>Very dry, matter-of-fact, but essential.  </a:t>
+            </a:r>
+          </a:p>
+          <a:p>
+            <a:endParaRPr lang="en-US" dirty="0"/>
+          </a:p>
+        </p:txBody>
+      </p:sp>
+    </p:spTree>
+    <p:extLst>
+      <p:ext uri="{BB962C8B-B14F-4D97-AF65-F5344CB8AC3E}">
+        <p14:creationId xmlns:p14="http://schemas.microsoft.com/office/powerpoint/2010/main" val="4200907995"/>
+      </p:ext>
+    </p:extLst>
+  </p:cSld>
+  <p:clrMapOvr>
+    <a:masterClrMapping/>
+  </p:clrMapOvr>
+</p:sld>
+</file>
+
+<file path=ppt/slides/slide16.xml><?xml version="1.0" encoding="utf-8"?>
+<p:sld xmlns:a="http://schemas.openxmlformats.org/drawingml/2006/main" xmlns:r="http://schemas.openxmlformats.org/officeDocument/2006/relationships" xmlns:p="http://schemas.openxmlformats.org/presentationml/2006/main">
+  <p:cSld>
+    <p:spTree>
+      <p:nvGrpSpPr>
+        <p:cNvPr id="1" name=""/>
+        <p:cNvGrpSpPr/>
+        <p:nvPr/>
+      </p:nvGrpSpPr>
+      <p:grpSpPr>
+        <a:xfrm>
+          <a:off x="0" y="0"/>
+          <a:ext cx="0" cy="0"/>
+          <a:chOff x="0" y="0"/>
+          <a:chExt cx="0" cy="0"/>
+        </a:xfrm>
+      </p:grpSpPr>
+      <p:sp>
+        <p:nvSpPr>
+          <p:cNvPr id="2" name="Title 1">
+            <a:extLst>
+              <a:ext uri="{FF2B5EF4-FFF2-40B4-BE49-F238E27FC236}">
                 <a16:creationId xmlns:a16="http://schemas.microsoft.com/office/drawing/2014/main" id="{5C0EF756-5718-A8C1-5ED3-A4D32D5ABF41}"/>
               </a:ext>
             </a:extLst>
@@ -4051,6 +4489,92 @@
 </file>
 
 <file path=ppt/slides/slide2.xml><?xml version="1.0" encoding="utf-8"?>
+<p:sld xmlns:a="http://schemas.openxmlformats.org/drawingml/2006/main" xmlns:r="http://schemas.openxmlformats.org/officeDocument/2006/relationships" xmlns:p="http://schemas.openxmlformats.org/presentationml/2006/main">
+  <p:cSld>
+    <p:spTree>
+      <p:nvGrpSpPr>
+        <p:cNvPr id="1" name=""/>
+        <p:cNvGrpSpPr/>
+        <p:nvPr/>
+      </p:nvGrpSpPr>
+      <p:grpSpPr>
+        <a:xfrm>
+          <a:off x="0" y="0"/>
+          <a:ext cx="0" cy="0"/>
+          <a:chOff x="0" y="0"/>
+          <a:chExt cx="0" cy="0"/>
+        </a:xfrm>
+      </p:grpSpPr>
+      <p:sp>
+        <p:nvSpPr>
+          <p:cNvPr id="2" name="Title 1">
+            <a:extLst>
+              <a:ext uri="{FF2B5EF4-FFF2-40B4-BE49-F238E27FC236}">
+                <a16:creationId xmlns:a16="http://schemas.microsoft.com/office/drawing/2014/main" id="{BC1F5969-0DD6-B835-1F30-AFD9457BE075}"/>
+              </a:ext>
+            </a:extLst>
+          </p:cNvPr>
+          <p:cNvSpPr>
+            <a:spLocks noGrp="1"/>
+          </p:cNvSpPr>
+          <p:nvPr>
+            <p:ph type="title"/>
+          </p:nvPr>
+        </p:nvSpPr>
+        <p:spPr/>
+        <p:txBody>
+          <a:bodyPr/>
+          <a:lstStyle/>
+          <a:p>
+            <a:r>
+              <a:rPr lang="en-US" dirty="0"/>
+              <a:t>Who has read a scientific publication before?</a:t>
+            </a:r>
+          </a:p>
+        </p:txBody>
+      </p:sp>
+      <p:sp>
+        <p:nvSpPr>
+          <p:cNvPr id="3" name="Content Placeholder 2">
+            <a:extLst>
+              <a:ext uri="{FF2B5EF4-FFF2-40B4-BE49-F238E27FC236}">
+                <a16:creationId xmlns:a16="http://schemas.microsoft.com/office/drawing/2014/main" id="{E0D1ADD1-6091-3B1A-F04D-C082B8F3560D}"/>
+              </a:ext>
+            </a:extLst>
+          </p:cNvPr>
+          <p:cNvSpPr>
+            <a:spLocks noGrp="1"/>
+          </p:cNvSpPr>
+          <p:nvPr>
+            <p:ph idx="1"/>
+          </p:nvPr>
+        </p:nvSpPr>
+        <p:spPr/>
+        <p:txBody>
+          <a:bodyPr/>
+          <a:lstStyle/>
+          <a:p>
+            <a:r>
+              <a:rPr lang="en-US" dirty="0"/>
+              <a:t>What have you been taught about how to do so?</a:t>
+            </a:r>
+          </a:p>
+        </p:txBody>
+      </p:sp>
+    </p:spTree>
+    <p:extLst>
+      <p:ext uri="{BB962C8B-B14F-4D97-AF65-F5344CB8AC3E}">
+        <p14:creationId xmlns:p14="http://schemas.microsoft.com/office/powerpoint/2010/main" val="2370139828"/>
+      </p:ext>
+    </p:extLst>
+  </p:cSld>
+  <p:clrMapOvr>
+    <a:masterClrMapping/>
+  </p:clrMapOvr>
+</p:sld>
+</file>
+
+<file path=ppt/slides/slide3.xml><?xml version="1.0" encoding="utf-8"?>
 <p:sld xmlns:a="http://schemas.openxmlformats.org/drawingml/2006/main" xmlns:r="http://schemas.openxmlformats.org/officeDocument/2006/relationships" xmlns:p="http://schemas.openxmlformats.org/presentationml/2006/main">
   <p:cSld>
     <p:spTree>
@@ -4335,137 +4859,6 @@
 </p:sld>
 </file>
 
-<file path=ppt/slides/slide3.xml><?xml version="1.0" encoding="utf-8"?>
-<p:sld xmlns:a="http://schemas.openxmlformats.org/drawingml/2006/main" xmlns:r="http://schemas.openxmlformats.org/officeDocument/2006/relationships" xmlns:p="http://schemas.openxmlformats.org/presentationml/2006/main">
-  <p:cSld>
-    <p:spTree>
-      <p:nvGrpSpPr>
-        <p:cNvPr id="1" name=""/>
-        <p:cNvGrpSpPr/>
-        <p:nvPr/>
-      </p:nvGrpSpPr>
-      <p:grpSpPr>
-        <a:xfrm>
-          <a:off x="0" y="0"/>
-          <a:ext cx="0" cy="0"/>
-          <a:chOff x="0" y="0"/>
-          <a:chExt cx="0" cy="0"/>
-        </a:xfrm>
-      </p:grpSpPr>
-      <p:sp>
-        <p:nvSpPr>
-          <p:cNvPr id="2" name="Title 1">
-            <a:extLst>
-              <a:ext uri="{FF2B5EF4-FFF2-40B4-BE49-F238E27FC236}">
-                <a16:creationId xmlns:a16="http://schemas.microsoft.com/office/drawing/2014/main" id="{CDED8E36-A0A4-19AE-0139-1FEF11B79FFA}"/>
-              </a:ext>
-            </a:extLst>
-          </p:cNvPr>
-          <p:cNvSpPr>
-            <a:spLocks noGrp="1"/>
-          </p:cNvSpPr>
-          <p:nvPr>
-            <p:ph type="title"/>
-          </p:nvPr>
-        </p:nvSpPr>
-        <p:spPr/>
-        <p:txBody>
-          <a:bodyPr/>
-          <a:lstStyle/>
-          <a:p>
-            <a:r>
-              <a:rPr lang="en-US" dirty="0"/>
-              <a:t>Keep hand raised if. . . </a:t>
-            </a:r>
-          </a:p>
-        </p:txBody>
-      </p:sp>
-      <p:sp>
-        <p:nvSpPr>
-          <p:cNvPr id="3" name="Content Placeholder 2">
-            <a:extLst>
-              <a:ext uri="{FF2B5EF4-FFF2-40B4-BE49-F238E27FC236}">
-                <a16:creationId xmlns:a16="http://schemas.microsoft.com/office/drawing/2014/main" id="{BA40FAA8-48D1-8AE6-361E-6A43CA4C7156}"/>
-              </a:ext>
-            </a:extLst>
-          </p:cNvPr>
-          <p:cNvSpPr>
-            <a:spLocks noGrp="1"/>
-          </p:cNvSpPr>
-          <p:nvPr>
-            <p:ph idx="1"/>
-          </p:nvPr>
-        </p:nvSpPr>
-        <p:spPr/>
-        <p:txBody>
-          <a:bodyPr/>
-          <a:lstStyle/>
-          <a:p>
-            <a:r>
-              <a:rPr lang="en-US" dirty="0"/>
-              <a:t>You opened any of them</a:t>
-            </a:r>
-          </a:p>
-          <a:p>
-            <a:r>
-              <a:rPr lang="en-US" dirty="0"/>
-              <a:t>You started on at least 1 study guide</a:t>
-            </a:r>
-          </a:p>
-          <a:p>
-            <a:r>
-              <a:rPr lang="en-US" dirty="0"/>
-              <a:t>You completed at least 1 study guide</a:t>
-            </a:r>
-          </a:p>
-          <a:p>
-            <a:r>
-              <a:rPr lang="en-US" dirty="0"/>
-              <a:t>You read any in their entirety</a:t>
-            </a:r>
-          </a:p>
-          <a:p>
-            <a:endParaRPr lang="en-US" dirty="0"/>
-          </a:p>
-          <a:p>
-            <a:pPr marL="0" indent="0">
-              <a:buNone/>
-            </a:pPr>
-            <a:r>
-              <a:rPr lang="en-US" dirty="0"/>
-              <a:t>Papers aren’t meant to be read start to finish!</a:t>
-            </a:r>
-          </a:p>
-          <a:p>
-            <a:r>
-              <a:rPr lang="en-US" dirty="0"/>
-              <a:t>Extract the information you need, skip/skim that which you don’t</a:t>
-            </a:r>
-          </a:p>
-          <a:p>
-            <a:pPr marL="0" indent="0">
-              <a:buNone/>
-            </a:pPr>
-            <a:endParaRPr lang="en-US" dirty="0"/>
-          </a:p>
-          <a:p>
-            <a:endParaRPr lang="en-US" dirty="0"/>
-          </a:p>
-        </p:txBody>
-      </p:sp>
-    </p:spTree>
-    <p:extLst>
-      <p:ext uri="{BB962C8B-B14F-4D97-AF65-F5344CB8AC3E}">
-        <p14:creationId xmlns:p14="http://schemas.microsoft.com/office/powerpoint/2010/main" val="594562246"/>
-      </p:ext>
-    </p:extLst>
-  </p:cSld>
-  <p:clrMapOvr>
-    <a:masterClrMapping/>
-  </p:clrMapOvr>
-</p:sld>
-</file>
-
 <file path=ppt/slides/slide4.xml><?xml version="1.0" encoding="utf-8"?>
 <p:sld xmlns:a="http://schemas.openxmlformats.org/drawingml/2006/main" xmlns:r="http://schemas.openxmlformats.org/officeDocument/2006/relationships" xmlns:p="http://schemas.openxmlformats.org/presentationml/2006/main">
   <p:cSld>
@@ -4488,6 +4881,240 @@
           <p:cNvPr id="2" name="Title 1">
             <a:extLst>
               <a:ext uri="{FF2B5EF4-FFF2-40B4-BE49-F238E27FC236}">
+                <a16:creationId xmlns:a16="http://schemas.microsoft.com/office/drawing/2014/main" id="{CDED8E36-A0A4-19AE-0139-1FEF11B79FFA}"/>
+              </a:ext>
+            </a:extLst>
+          </p:cNvPr>
+          <p:cNvSpPr>
+            <a:spLocks noGrp="1"/>
+          </p:cNvSpPr>
+          <p:nvPr>
+            <p:ph type="title"/>
+          </p:nvPr>
+        </p:nvSpPr>
+        <p:spPr/>
+        <p:txBody>
+          <a:bodyPr/>
+          <a:lstStyle/>
+          <a:p>
+            <a:r>
+              <a:rPr lang="en-US" dirty="0"/>
+              <a:t>Keep hand raised if. . . </a:t>
+            </a:r>
+          </a:p>
+        </p:txBody>
+      </p:sp>
+      <p:sp>
+        <p:nvSpPr>
+          <p:cNvPr id="3" name="Content Placeholder 2">
+            <a:extLst>
+              <a:ext uri="{FF2B5EF4-FFF2-40B4-BE49-F238E27FC236}">
+                <a16:creationId xmlns:a16="http://schemas.microsoft.com/office/drawing/2014/main" id="{BA40FAA8-48D1-8AE6-361E-6A43CA4C7156}"/>
+              </a:ext>
+            </a:extLst>
+          </p:cNvPr>
+          <p:cNvSpPr>
+            <a:spLocks noGrp="1"/>
+          </p:cNvSpPr>
+          <p:nvPr>
+            <p:ph idx="1"/>
+          </p:nvPr>
+        </p:nvSpPr>
+        <p:spPr/>
+        <p:txBody>
+          <a:bodyPr/>
+          <a:lstStyle/>
+          <a:p>
+            <a:r>
+              <a:rPr lang="en-US" dirty="0"/>
+              <a:t>You opened any of them</a:t>
+            </a:r>
+          </a:p>
+          <a:p>
+            <a:r>
+              <a:rPr lang="en-US" dirty="0"/>
+              <a:t>You started on at least 1 study guide</a:t>
+            </a:r>
+          </a:p>
+          <a:p>
+            <a:r>
+              <a:rPr lang="en-US" dirty="0"/>
+              <a:t>You completed at least 1 study guide</a:t>
+            </a:r>
+          </a:p>
+          <a:p>
+            <a:r>
+              <a:rPr lang="en-US" dirty="0"/>
+              <a:t>You read any in their entirety</a:t>
+            </a:r>
+          </a:p>
+          <a:p>
+            <a:endParaRPr lang="en-US" dirty="0"/>
+          </a:p>
+          <a:p>
+            <a:pPr marL="0" indent="0">
+              <a:buNone/>
+            </a:pPr>
+            <a:r>
+              <a:rPr lang="en-US" dirty="0"/>
+              <a:t>Papers aren’t meant to be read start to finish!</a:t>
+            </a:r>
+          </a:p>
+          <a:p>
+            <a:r>
+              <a:rPr lang="en-US" dirty="0"/>
+              <a:t>Extract the information you need, skip/skim that which you don’t</a:t>
+            </a:r>
+          </a:p>
+          <a:p>
+            <a:pPr marL="0" indent="0">
+              <a:buNone/>
+            </a:pPr>
+            <a:endParaRPr lang="en-US" dirty="0"/>
+          </a:p>
+          <a:p>
+            <a:endParaRPr lang="en-US" dirty="0"/>
+          </a:p>
+        </p:txBody>
+      </p:sp>
+    </p:spTree>
+    <p:extLst>
+      <p:ext uri="{BB962C8B-B14F-4D97-AF65-F5344CB8AC3E}">
+        <p14:creationId xmlns:p14="http://schemas.microsoft.com/office/powerpoint/2010/main" val="594562246"/>
+      </p:ext>
+    </p:extLst>
+  </p:cSld>
+  <p:clrMapOvr>
+    <a:masterClrMapping/>
+  </p:clrMapOvr>
+</p:sld>
+</file>
+
+<file path=ppt/slides/slide5.xml><?xml version="1.0" encoding="utf-8"?>
+<p:sld xmlns:a="http://schemas.openxmlformats.org/drawingml/2006/main" xmlns:r="http://schemas.openxmlformats.org/officeDocument/2006/relationships" xmlns:p="http://schemas.openxmlformats.org/presentationml/2006/main">
+  <p:cSld>
+    <p:spTree>
+      <p:nvGrpSpPr>
+        <p:cNvPr id="1" name=""/>
+        <p:cNvGrpSpPr/>
+        <p:nvPr/>
+      </p:nvGrpSpPr>
+      <p:grpSpPr>
+        <a:xfrm>
+          <a:off x="0" y="0"/>
+          <a:ext cx="0" cy="0"/>
+          <a:chOff x="0" y="0"/>
+          <a:chExt cx="0" cy="0"/>
+        </a:xfrm>
+      </p:grpSpPr>
+      <p:sp>
+        <p:nvSpPr>
+          <p:cNvPr id="2" name="Title 1">
+            <a:extLst>
+              <a:ext uri="{FF2B5EF4-FFF2-40B4-BE49-F238E27FC236}">
+                <a16:creationId xmlns:a16="http://schemas.microsoft.com/office/drawing/2014/main" id="{E7D43AFF-ECF3-C79B-2667-85EE22A94D2F}"/>
+              </a:ext>
+            </a:extLst>
+          </p:cNvPr>
+          <p:cNvSpPr>
+            <a:spLocks noGrp="1"/>
+          </p:cNvSpPr>
+          <p:nvPr>
+            <p:ph type="title"/>
+          </p:nvPr>
+        </p:nvSpPr>
+        <p:spPr>
+          <a:xfrm>
+            <a:off x="838200" y="1"/>
+            <a:ext cx="10515600" cy="1060704"/>
+          </a:xfrm>
+        </p:spPr>
+        <p:txBody>
+          <a:bodyPr/>
+          <a:lstStyle/>
+          <a:p>
+            <a:r>
+              <a:rPr lang="en-US" dirty="0"/>
+              <a:t>Don’t need to read </a:t>
+            </a:r>
+            <a:r>
+              <a:rPr lang="en-US" dirty="0" err="1"/>
+              <a:t>Zwietering</a:t>
+            </a:r>
+            <a:r>
+              <a:rPr lang="en-US" dirty="0"/>
+              <a:t> start to finish</a:t>
+            </a:r>
+          </a:p>
+        </p:txBody>
+      </p:sp>
+      <p:pic>
+        <p:nvPicPr>
+          <p:cNvPr id="4" name="Content Placeholder 3">
+            <a:extLst>
+              <a:ext uri="{FF2B5EF4-FFF2-40B4-BE49-F238E27FC236}">
+                <a16:creationId xmlns:a16="http://schemas.microsoft.com/office/drawing/2014/main" id="{A9A973FD-EBB2-218E-BB91-1EE39C61C4B7}"/>
+              </a:ext>
+            </a:extLst>
+          </p:cNvPr>
+          <p:cNvPicPr>
+            <a:picLocks noGrp="1" noChangeAspect="1"/>
+          </p:cNvPicPr>
+          <p:nvPr>
+            <p:ph idx="1"/>
+          </p:nvPr>
+        </p:nvPicPr>
+        <p:blipFill>
+          <a:blip r:embed="rId2"/>
+          <a:stretch>
+            <a:fillRect/>
+          </a:stretch>
+        </p:blipFill>
+        <p:spPr>
+          <a:xfrm>
+            <a:off x="1159292" y="847127"/>
+            <a:ext cx="9630628" cy="6010873"/>
+          </a:xfrm>
+          <a:prstGeom prst="rect">
+            <a:avLst/>
+          </a:prstGeom>
+        </p:spPr>
+      </p:pic>
+    </p:spTree>
+    <p:extLst>
+      <p:ext uri="{BB962C8B-B14F-4D97-AF65-F5344CB8AC3E}">
+        <p14:creationId xmlns:p14="http://schemas.microsoft.com/office/powerpoint/2010/main" val="2437682984"/>
+      </p:ext>
+    </p:extLst>
+  </p:cSld>
+  <p:clrMapOvr>
+    <a:masterClrMapping/>
+  </p:clrMapOvr>
+</p:sld>
+</file>
+
+<file path=ppt/slides/slide6.xml><?xml version="1.0" encoding="utf-8"?>
+<p:sld xmlns:a="http://schemas.openxmlformats.org/drawingml/2006/main" xmlns:r="http://schemas.openxmlformats.org/officeDocument/2006/relationships" xmlns:p="http://schemas.openxmlformats.org/presentationml/2006/main">
+  <p:cSld>
+    <p:spTree>
+      <p:nvGrpSpPr>
+        <p:cNvPr id="1" name=""/>
+        <p:cNvGrpSpPr/>
+        <p:nvPr/>
+      </p:nvGrpSpPr>
+      <p:grpSpPr>
+        <a:xfrm>
+          <a:off x="0" y="0"/>
+          <a:ext cx="0" cy="0"/>
+          <a:chOff x="0" y="0"/>
+          <a:chExt cx="0" cy="0"/>
+        </a:xfrm>
+      </p:grpSpPr>
+      <p:sp>
+        <p:nvSpPr>
+          <p:cNvPr id="2" name="Title 1">
+            <a:extLst>
+              <a:ext uri="{FF2B5EF4-FFF2-40B4-BE49-F238E27FC236}">
                 <a16:creationId xmlns:a16="http://schemas.microsoft.com/office/drawing/2014/main" id="{C3B327E2-05F1-F78F-2554-AACAD932CC5B}"/>
               </a:ext>
             </a:extLst>
@@ -4594,7 +5221,7 @@
 </p:sld>
 </file>
 
-<file path=ppt/slides/slide5.xml><?xml version="1.0" encoding="utf-8"?>
+<file path=ppt/slides/slide7.xml><?xml version="1.0" encoding="utf-8"?>
 <p:sld xmlns:a="http://schemas.openxmlformats.org/drawingml/2006/main" xmlns:r="http://schemas.openxmlformats.org/officeDocument/2006/relationships" xmlns:p="http://schemas.openxmlformats.org/presentationml/2006/main">
   <p:cSld>
     <p:spTree>
@@ -4956,7 +5583,7 @@
 </p:sld>
 </file>
 
-<file path=ppt/slides/slide6.xml><?xml version="1.0" encoding="utf-8"?>
+<file path=ppt/slides/slide8.xml><?xml version="1.0" encoding="utf-8"?>
 <p:sld xmlns:a="http://schemas.openxmlformats.org/drawingml/2006/main" xmlns:r="http://schemas.openxmlformats.org/officeDocument/2006/relationships" xmlns:p="http://schemas.openxmlformats.org/presentationml/2006/main">
   <p:cSld>
     <p:spTree>
@@ -5783,7 +6410,7 @@
 </p:sld>
 </file>
 
-<file path=ppt/slides/slide7.xml><?xml version="1.0" encoding="utf-8"?>
+<file path=ppt/slides/slide9.xml><?xml version="1.0" encoding="utf-8"?>
 <p:sld xmlns:a="http://schemas.openxmlformats.org/drawingml/2006/main" xmlns:r="http://schemas.openxmlformats.org/officeDocument/2006/relationships" xmlns:p="http://schemas.openxmlformats.org/presentationml/2006/main">
   <p:cSld>
     <p:spTree>
@@ -5971,442 +6598,6 @@
     <p:extLst>
       <p:ext uri="{BB962C8B-B14F-4D97-AF65-F5344CB8AC3E}">
         <p14:creationId xmlns:p14="http://schemas.microsoft.com/office/powerpoint/2010/main" val="3555591133"/>
-      </p:ext>
-    </p:extLst>
-  </p:cSld>
-  <p:clrMapOvr>
-    <a:masterClrMapping/>
-  </p:clrMapOvr>
-</p:sld>
-</file>
-
-<file path=ppt/slides/slide8.xml><?xml version="1.0" encoding="utf-8"?>
-<p:sld xmlns:a="http://schemas.openxmlformats.org/drawingml/2006/main" xmlns:r="http://schemas.openxmlformats.org/officeDocument/2006/relationships" xmlns:p="http://schemas.openxmlformats.org/presentationml/2006/main">
-  <p:cSld>
-    <p:spTree>
-      <p:nvGrpSpPr>
-        <p:cNvPr id="1" name=""/>
-        <p:cNvGrpSpPr/>
-        <p:nvPr/>
-      </p:nvGrpSpPr>
-      <p:grpSpPr>
-        <a:xfrm>
-          <a:off x="0" y="0"/>
-          <a:ext cx="0" cy="0"/>
-          <a:chOff x="0" y="0"/>
-          <a:chExt cx="0" cy="0"/>
-        </a:xfrm>
-      </p:grpSpPr>
-      <p:sp>
-        <p:nvSpPr>
-          <p:cNvPr id="2" name="Title 1">
-            <a:extLst>
-              <a:ext uri="{FF2B5EF4-FFF2-40B4-BE49-F238E27FC236}">
-                <a16:creationId xmlns:a16="http://schemas.microsoft.com/office/drawing/2014/main" id="{ADA4DB07-3472-5585-F5FB-73E5B23BC685}"/>
-              </a:ext>
-            </a:extLst>
-          </p:cNvPr>
-          <p:cNvSpPr>
-            <a:spLocks noGrp="1"/>
-          </p:cNvSpPr>
-          <p:nvPr>
-            <p:ph type="title"/>
-          </p:nvPr>
-        </p:nvSpPr>
-        <p:spPr/>
-        <p:txBody>
-          <a:bodyPr/>
-          <a:lstStyle/>
-          <a:p>
-            <a:r>
-              <a:rPr lang="en-US" dirty="0"/>
-              <a:t>Authors + Affiliations</a:t>
-            </a:r>
-          </a:p>
-        </p:txBody>
-      </p:sp>
-      <p:sp>
-        <p:nvSpPr>
-          <p:cNvPr id="3" name="Content Placeholder 2">
-            <a:extLst>
-              <a:ext uri="{FF2B5EF4-FFF2-40B4-BE49-F238E27FC236}">
-                <a16:creationId xmlns:a16="http://schemas.microsoft.com/office/drawing/2014/main" id="{87A8D749-98BF-F74B-9FE3-BD3C68F525BF}"/>
-              </a:ext>
-            </a:extLst>
-          </p:cNvPr>
-          <p:cNvSpPr>
-            <a:spLocks noGrp="1"/>
-          </p:cNvSpPr>
-          <p:nvPr>
-            <p:ph idx="1"/>
-          </p:nvPr>
-        </p:nvSpPr>
-        <p:spPr/>
-        <p:txBody>
-          <a:bodyPr/>
-          <a:lstStyle/>
-          <a:p>
-            <a:r>
-              <a:rPr lang="en-US" dirty="0"/>
-              <a:t>Who did it? Where?</a:t>
-            </a:r>
-          </a:p>
-          <a:p>
-            <a:r>
-              <a:rPr lang="en-US" dirty="0"/>
-              <a:t>First author: often did most of the work and is most “credited;” it’s their name + others. </a:t>
-            </a:r>
-          </a:p>
-          <a:p>
-            <a:r>
-              <a:rPr lang="en-US" dirty="0"/>
-              <a:t>Last author: often lab leader supervising the first author. </a:t>
-            </a:r>
-          </a:p>
-          <a:p>
-            <a:r>
-              <a:rPr lang="en-US" dirty="0"/>
-              <a:t>Middle: made various contributions; some journals require listing these out. </a:t>
-            </a:r>
-          </a:p>
-        </p:txBody>
-      </p:sp>
-      <p:pic>
-        <p:nvPicPr>
-          <p:cNvPr id="4" name="Picture 3">
-            <a:extLst>
-              <a:ext uri="{FF2B5EF4-FFF2-40B4-BE49-F238E27FC236}">
-                <a16:creationId xmlns:a16="http://schemas.microsoft.com/office/drawing/2014/main" id="{955A4FD3-9D76-6104-6CFC-DC89608025AD}"/>
-              </a:ext>
-            </a:extLst>
-          </p:cNvPr>
-          <p:cNvPicPr>
-            <a:picLocks noChangeAspect="1"/>
-          </p:cNvPicPr>
-          <p:nvPr/>
-        </p:nvPicPr>
-        <p:blipFill>
-          <a:blip r:embed="rId2"/>
-          <a:stretch>
-            <a:fillRect/>
-          </a:stretch>
-        </p:blipFill>
-        <p:spPr>
-          <a:xfrm>
-            <a:off x="6794776" y="4343400"/>
-            <a:ext cx="5016500" cy="2514600"/>
-          </a:xfrm>
-          <a:prstGeom prst="rect">
-            <a:avLst/>
-          </a:prstGeom>
-        </p:spPr>
-      </p:pic>
-      <p:pic>
-        <p:nvPicPr>
-          <p:cNvPr id="5" name="Picture 4">
-            <a:extLst>
-              <a:ext uri="{FF2B5EF4-FFF2-40B4-BE49-F238E27FC236}">
-                <a16:creationId xmlns:a16="http://schemas.microsoft.com/office/drawing/2014/main" id="{E2D2ACF6-2944-D54E-6B48-EF6129AB31FE}"/>
-              </a:ext>
-            </a:extLst>
-          </p:cNvPr>
-          <p:cNvPicPr>
-            <a:picLocks noChangeAspect="1"/>
-          </p:cNvPicPr>
-          <p:nvPr/>
-        </p:nvPicPr>
-        <p:blipFill>
-          <a:blip r:embed="rId3"/>
-          <a:stretch>
-            <a:fillRect/>
-          </a:stretch>
-        </p:blipFill>
-        <p:spPr>
-          <a:xfrm>
-            <a:off x="0" y="5081082"/>
-            <a:ext cx="6662392" cy="1039236"/>
-          </a:xfrm>
-          <a:prstGeom prst="rect">
-            <a:avLst/>
-          </a:prstGeom>
-        </p:spPr>
-      </p:pic>
-    </p:spTree>
-    <p:extLst>
-      <p:ext uri="{BB962C8B-B14F-4D97-AF65-F5344CB8AC3E}">
-        <p14:creationId xmlns:p14="http://schemas.microsoft.com/office/powerpoint/2010/main" val="852594176"/>
-      </p:ext>
-    </p:extLst>
-  </p:cSld>
-  <p:clrMapOvr>
-    <a:masterClrMapping/>
-  </p:clrMapOvr>
-</p:sld>
-</file>
-
-<file path=ppt/slides/slide9.xml><?xml version="1.0" encoding="utf-8"?>
-<p:sld xmlns:a="http://schemas.openxmlformats.org/drawingml/2006/main" xmlns:r="http://schemas.openxmlformats.org/officeDocument/2006/relationships" xmlns:p="http://schemas.openxmlformats.org/presentationml/2006/main">
-  <p:cSld>
-    <p:spTree>
-      <p:nvGrpSpPr>
-        <p:cNvPr id="1" name=""/>
-        <p:cNvGrpSpPr/>
-        <p:nvPr/>
-      </p:nvGrpSpPr>
-      <p:grpSpPr>
-        <a:xfrm>
-          <a:off x="0" y="0"/>
-          <a:ext cx="0" cy="0"/>
-          <a:chOff x="0" y="0"/>
-          <a:chExt cx="0" cy="0"/>
-        </a:xfrm>
-      </p:grpSpPr>
-      <p:sp>
-        <p:nvSpPr>
-          <p:cNvPr id="2" name="Title 1">
-            <a:extLst>
-              <a:ext uri="{FF2B5EF4-FFF2-40B4-BE49-F238E27FC236}">
-                <a16:creationId xmlns:a16="http://schemas.microsoft.com/office/drawing/2014/main" id="{6DB56DDF-D5FF-3538-23F2-D168DA6AEDD9}"/>
-              </a:ext>
-            </a:extLst>
-          </p:cNvPr>
-          <p:cNvSpPr>
-            <a:spLocks noGrp="1"/>
-          </p:cNvSpPr>
-          <p:nvPr>
-            <p:ph type="title"/>
-          </p:nvPr>
-        </p:nvSpPr>
-        <p:spPr/>
-        <p:txBody>
-          <a:bodyPr/>
-          <a:lstStyle/>
-          <a:p>
-            <a:r>
-              <a:rPr lang="en-US" dirty="0"/>
-              <a:t>Abstract/Summary</a:t>
-            </a:r>
-          </a:p>
-        </p:txBody>
-      </p:sp>
-      <p:sp>
-        <p:nvSpPr>
-          <p:cNvPr id="3" name="Content Placeholder 2">
-            <a:extLst>
-              <a:ext uri="{FF2B5EF4-FFF2-40B4-BE49-F238E27FC236}">
-                <a16:creationId xmlns:a16="http://schemas.microsoft.com/office/drawing/2014/main" id="{8FADA059-E0CD-98D7-C33A-D8312B2B849B}"/>
-              </a:ext>
-            </a:extLst>
-          </p:cNvPr>
-          <p:cNvSpPr>
-            <a:spLocks noGrp="1"/>
-          </p:cNvSpPr>
-          <p:nvPr>
-            <p:ph idx="1"/>
-          </p:nvPr>
-        </p:nvSpPr>
-        <p:spPr>
-          <a:xfrm>
-            <a:off x="838200" y="1825625"/>
-            <a:ext cx="5387939" cy="4351338"/>
-          </a:xfrm>
-        </p:spPr>
-        <p:txBody>
-          <a:bodyPr/>
-          <a:lstStyle/>
-          <a:p>
-            <a:r>
-              <a:rPr lang="en-US" dirty="0"/>
-              <a:t>A succinct summary of the entire paper: </a:t>
-            </a:r>
-          </a:p>
-          <a:p>
-            <a:pPr lvl="1"/>
-            <a:r>
-              <a:rPr lang="en-US" dirty="0">
-                <a:highlight>
-                  <a:srgbClr val="FFFF00"/>
-                </a:highlight>
-              </a:rPr>
-              <a:t>Background</a:t>
-            </a:r>
-            <a:endParaRPr lang="en-US" dirty="0">
-              <a:highlight>
-                <a:srgbClr val="FF0000"/>
-              </a:highlight>
-            </a:endParaRPr>
-          </a:p>
-          <a:p>
-            <a:pPr lvl="1"/>
-            <a:r>
-              <a:rPr lang="en-US" dirty="0">
-                <a:highlight>
-                  <a:srgbClr val="00FFFF"/>
-                </a:highlight>
-              </a:rPr>
-              <a:t>Findings</a:t>
-            </a:r>
-            <a:r>
-              <a:rPr lang="en-US" dirty="0"/>
-              <a:t> </a:t>
-            </a:r>
-          </a:p>
-          <a:p>
-            <a:endParaRPr lang="en-US" dirty="0"/>
-          </a:p>
-          <a:p>
-            <a:r>
-              <a:rPr lang="en-US" dirty="0"/>
-              <a:t>Usually written last, but is the first (and often only) thing someone sees. </a:t>
-            </a:r>
-          </a:p>
-          <a:p>
-            <a:endParaRPr lang="en-US" dirty="0"/>
-          </a:p>
-        </p:txBody>
-      </p:sp>
-      <p:pic>
-        <p:nvPicPr>
-          <p:cNvPr id="4" name="Picture 3">
-            <a:extLst>
-              <a:ext uri="{FF2B5EF4-FFF2-40B4-BE49-F238E27FC236}">
-                <a16:creationId xmlns:a16="http://schemas.microsoft.com/office/drawing/2014/main" id="{DCF380DF-ED2F-B347-C332-70BED02E33BC}"/>
-              </a:ext>
-            </a:extLst>
-          </p:cNvPr>
-          <p:cNvPicPr>
-            <a:picLocks noChangeAspect="1"/>
-          </p:cNvPicPr>
-          <p:nvPr/>
-        </p:nvPicPr>
-        <p:blipFill>
-          <a:blip r:embed="rId2"/>
-          <a:stretch>
-            <a:fillRect/>
-          </a:stretch>
-        </p:blipFill>
-        <p:spPr>
-          <a:xfrm>
-            <a:off x="7006810" y="513522"/>
-            <a:ext cx="5016500" cy="6096000"/>
-          </a:xfrm>
-          <a:prstGeom prst="rect">
-            <a:avLst/>
-          </a:prstGeom>
-        </p:spPr>
-      </p:pic>
-      <p:sp>
-        <p:nvSpPr>
-          <p:cNvPr id="5" name="Rectangle 4">
-            <a:extLst>
-              <a:ext uri="{FF2B5EF4-FFF2-40B4-BE49-F238E27FC236}">
-                <a16:creationId xmlns:a16="http://schemas.microsoft.com/office/drawing/2014/main" id="{A34776C3-CFC0-227E-EE5B-B443D0330E13}"/>
-              </a:ext>
-            </a:extLst>
-          </p:cNvPr>
-          <p:cNvSpPr/>
-          <p:nvPr/>
-        </p:nvSpPr>
-        <p:spPr>
-          <a:xfrm>
-            <a:off x="7063409" y="1027906"/>
-            <a:ext cx="4903304" cy="2536929"/>
-          </a:xfrm>
-          <a:prstGeom prst="rect">
-            <a:avLst/>
-          </a:prstGeom>
-          <a:solidFill>
-            <a:srgbClr val="FFFF00">
-              <a:alpha val="34902"/>
-            </a:srgbClr>
-          </a:solidFill>
-          <a:ln>
-            <a:noFill/>
-          </a:ln>
-        </p:spPr>
-        <p:style>
-          <a:lnRef idx="2">
-            <a:schemeClr val="accent1">
-              <a:shade val="15000"/>
-            </a:schemeClr>
-          </a:lnRef>
-          <a:fillRef idx="1">
-            <a:schemeClr val="accent1"/>
-          </a:fillRef>
-          <a:effectRef idx="0">
-            <a:schemeClr val="accent1"/>
-          </a:effectRef>
-          <a:fontRef idx="minor">
-            <a:schemeClr val="lt1"/>
-          </a:fontRef>
-        </p:style>
-        <p:txBody>
-          <a:bodyPr rtlCol="0" anchor="ctr"/>
-          <a:lstStyle/>
-          <a:p>
-            <a:pPr algn="ctr"/>
-            <a:endParaRPr lang="en-US"/>
-          </a:p>
-        </p:txBody>
-      </p:sp>
-      <p:sp>
-        <p:nvSpPr>
-          <p:cNvPr id="6" name="Rectangle 5">
-            <a:extLst>
-              <a:ext uri="{FF2B5EF4-FFF2-40B4-BE49-F238E27FC236}">
-                <a16:creationId xmlns:a16="http://schemas.microsoft.com/office/drawing/2014/main" id="{0B52487E-EFD8-B1D1-96FC-736C8E27139A}"/>
-              </a:ext>
-            </a:extLst>
-          </p:cNvPr>
-          <p:cNvSpPr/>
-          <p:nvPr/>
-        </p:nvSpPr>
-        <p:spPr>
-          <a:xfrm>
-            <a:off x="7089184" y="3561522"/>
-            <a:ext cx="4903304" cy="3048000"/>
-          </a:xfrm>
-          <a:prstGeom prst="rect">
-            <a:avLst/>
-          </a:prstGeom>
-          <a:solidFill>
-            <a:srgbClr val="02FFFF">
-              <a:alpha val="34902"/>
-            </a:srgbClr>
-          </a:solidFill>
-          <a:ln>
-            <a:noFill/>
-          </a:ln>
-        </p:spPr>
-        <p:style>
-          <a:lnRef idx="2">
-            <a:schemeClr val="accent1">
-              <a:shade val="15000"/>
-            </a:schemeClr>
-          </a:lnRef>
-          <a:fillRef idx="1">
-            <a:schemeClr val="accent1"/>
-          </a:fillRef>
-          <a:effectRef idx="0">
-            <a:schemeClr val="accent1"/>
-          </a:effectRef>
-          <a:fontRef idx="minor">
-            <a:schemeClr val="lt1"/>
-          </a:fontRef>
-        </p:style>
-        <p:txBody>
-          <a:bodyPr rtlCol="0" anchor="ctr"/>
-          <a:lstStyle/>
-          <a:p>
-            <a:pPr algn="ctr"/>
-            <a:endParaRPr lang="en-US"/>
-          </a:p>
-        </p:txBody>
-      </p:sp>
-    </p:spTree>
-    <p:extLst>
-      <p:ext uri="{BB962C8B-B14F-4D97-AF65-F5344CB8AC3E}">
-        <p14:creationId xmlns:p14="http://schemas.microsoft.com/office/powerpoint/2010/main" val="770768356"/>
       </p:ext>
     </p:extLst>
   </p:cSld>
